--- a/03 upload file.pptx
+++ b/03 upload file.pptx
@@ -262,7 +262,7 @@
               <a:rPr lang="en-US" smtClean="0">
                 <a:latin typeface="Segoe UI" pitchFamily="34" charset="0"/>
               </a:rPr>
-              <a:t>12/11/21 7:19 AM</a:t>
+              <a:t>3/2/2022 2:48 PM</a:t>
             </a:fld>
             <a:endParaRPr lang="en-US" dirty="0">
               <a:latin typeface="Segoe UI" pitchFamily="34" charset="0"/>
@@ -559,7 +559,7 @@
           <a:p>
             <a:fld id="{D18B56EA-E28F-4F92-9F16-7A6F2501B303}" type="datetime8">
               <a:rPr lang="en-US" smtClean="0"/>
-              <a:t>12/11/21 7:19 AM</a:t>
+              <a:t>3/2/2022 2:47 PM</a:t>
             </a:fld>
             <a:endParaRPr lang="en-US" dirty="0"/>
           </a:p>
@@ -942,7 +942,7 @@
           <a:p>
             <a:fld id="{D18B56EA-E28F-4F92-9F16-7A6F2501B303}" type="datetime8">
               <a:rPr lang="en-US" smtClean="0"/>
-              <a:t>12/11/21 7:19 AM</a:t>
+              <a:t>3/2/2022 2:47 PM</a:t>
             </a:fld>
             <a:endParaRPr lang="en-US" dirty="0"/>
           </a:p>
@@ -1123,7 +1123,7 @@
           <a:p>
             <a:fld id="{D18B56EA-E28F-4F92-9F16-7A6F2501B303}" type="datetime8">
               <a:rPr lang="en-US" smtClean="0"/>
-              <a:t>12/11/21 7:19 AM</a:t>
+              <a:t>3/2/2022 2:47 PM</a:t>
             </a:fld>
             <a:endParaRPr lang="en-US" dirty="0"/>
           </a:p>
@@ -1315,7 +1315,7 @@
           <a:p>
             <a:fld id="{D18B56EA-E28F-4F92-9F16-7A6F2501B303}" type="datetime8">
               <a:rPr lang="en-US" smtClean="0"/>
-              <a:t>12/11/21 7:19 AM</a:t>
+              <a:t>3/2/2022 2:47 PM</a:t>
             </a:fld>
             <a:endParaRPr lang="en-US" dirty="0"/>
           </a:p>
@@ -1412,11 +1412,22 @@
                 <a:ea typeface="+mn-ea"/>
                 <a:cs typeface="+mn-cs"/>
               </a:rPr>
-              <a:t>Another way to upload files to SharePoint libraries is to use the Microsoft Graph support included in the SharePoint Framework SDK.</a:t>
-            </a:r>
-          </a:p>
-          <a:p>
-            <a:br>
+              <a:t>In a previous unit in this module, you learned how to read and write to SharePoint lists with the SharePoint Framework using the SharePoint REST API. Working with document libraries is similar to working with lists, but there are some differences.</a:t>
+            </a:r>
+          </a:p>
+          <a:p>
+            <a:endParaRPr lang="en-US" sz="900" b="0" kern="1200" dirty="0">
+              <a:solidFill>
+                <a:schemeClr val="tx1"/>
+              </a:solidFill>
+              <a:effectLst/>
+              <a:latin typeface="Segoe UI Light" pitchFamily="34" charset="0"/>
+              <a:ea typeface="+mn-ea"/>
+              <a:cs typeface="+mn-cs"/>
+            </a:endParaRPr>
+          </a:p>
+          <a:p>
+            <a:r>
               <a:rPr lang="en-US" sz="900" b="0" kern="1200" dirty="0">
                 <a:solidFill>
                   <a:schemeClr val="tx1"/>
@@ -1426,7 +1437,21 @@
                 <a:ea typeface="+mn-ea"/>
                 <a:cs typeface="+mn-cs"/>
               </a:rPr>
-            </a:br>
+              <a:t>A SharePoint document library is just like a SharePoint list, except that it displays its contents as files instead of a list of items.</a:t>
+            </a:r>
+          </a:p>
+          <a:p>
+            <a:endParaRPr lang="en-US" sz="900" b="0" kern="1200" dirty="0">
+              <a:solidFill>
+                <a:schemeClr val="tx1"/>
+              </a:solidFill>
+              <a:effectLst/>
+              <a:latin typeface="Segoe UI Light" pitchFamily="34" charset="0"/>
+              <a:ea typeface="+mn-ea"/>
+              <a:cs typeface="+mn-cs"/>
+            </a:endParaRPr>
+          </a:p>
+          <a:p>
             <a:r>
               <a:rPr lang="en-US" sz="900" b="0" kern="1200" dirty="0">
                 <a:solidFill>
@@ -1437,7 +1462,57 @@
                 <a:ea typeface="+mn-ea"/>
                 <a:cs typeface="+mn-cs"/>
               </a:rPr>
-              <a:t>To upload a file using the Microsoft Graph, you need to specify the endpoint where to upload the file. For example, assuming you want to upload a file to the same URL as listed above, the Microsoft Graph endpoint would be: `https://</a:t>
+              <a:t>When working with a SharePoint REST API, most of the things you learned in working with lists applies to libraries. For example, use HTTP GET calls to retrieve information and HTTP POST, PUT, MERGE, and DELETE calls to make changes to contents.</a:t>
+            </a:r>
+          </a:p>
+          <a:p>
+            <a:endParaRPr lang="en-US" sz="900" b="0" kern="1200" dirty="0">
+              <a:solidFill>
+                <a:schemeClr val="tx1"/>
+              </a:solidFill>
+              <a:effectLst/>
+              <a:latin typeface="Segoe UI Light" pitchFamily="34" charset="0"/>
+              <a:ea typeface="+mn-ea"/>
+              <a:cs typeface="+mn-cs"/>
+            </a:endParaRPr>
+          </a:p>
+          <a:p>
+            <a:r>
+              <a:rPr lang="en-US" sz="900" b="0" kern="1200" dirty="0">
+                <a:solidFill>
+                  <a:schemeClr val="tx1"/>
+                </a:solidFill>
+                <a:effectLst/>
+                <a:latin typeface="Segoe UI Light" pitchFamily="34" charset="0"/>
+                <a:ea typeface="+mn-ea"/>
+                <a:cs typeface="+mn-cs"/>
+              </a:rPr>
+              <a:t>One difference from lists is that you need to include the folder where the file is, or in the case of creating a file, will be uploaded to. In addition, you also need to use the `Files` endpoint. Finally, the end of the endpoint instructs the REST API what you're trying to do.</a:t>
+            </a:r>
+          </a:p>
+          <a:p>
+            <a:endParaRPr lang="en-US" sz="900" b="0" kern="1200" dirty="0">
+              <a:solidFill>
+                <a:schemeClr val="tx1"/>
+              </a:solidFill>
+              <a:effectLst/>
+              <a:latin typeface="Segoe UI Light" pitchFamily="34" charset="0"/>
+              <a:ea typeface="+mn-ea"/>
+              <a:cs typeface="+mn-cs"/>
+            </a:endParaRPr>
+          </a:p>
+          <a:p>
+            <a:r>
+              <a:rPr lang="en-US" sz="900" b="0" kern="1200" dirty="0">
+                <a:solidFill>
+                  <a:schemeClr val="tx1"/>
+                </a:solidFill>
+                <a:effectLst/>
+                <a:latin typeface="Segoe UI Light" pitchFamily="34" charset="0"/>
+                <a:ea typeface="+mn-ea"/>
+                <a:cs typeface="+mn-cs"/>
+              </a:rPr>
+              <a:t>For example, the following URL will upload a file to the *root folder* of the *Documents* library. This file is named *sample.png* and will overwrite an existing file with the same name: `https://contoso.microsoft.com/sites/</a:t>
             </a:r>
             <a:r>
               <a:rPr lang="en-US" sz="900" b="0" kern="1200" dirty="0" err="1">
@@ -1449,7 +1524,7 @@
                 <a:ea typeface="+mn-ea"/>
                 <a:cs typeface="+mn-cs"/>
               </a:rPr>
-              <a:t>graph.microsoft.com</a:t>
+              <a:t>testSite</a:t>
             </a:r>
             <a:r>
               <a:rPr lang="en-US" sz="900" b="0" kern="1200" dirty="0">
@@ -1461,7 +1536,7 @@
                 <a:ea typeface="+mn-ea"/>
                 <a:cs typeface="+mn-cs"/>
               </a:rPr>
-              <a:t>/v1/sites/{{SITE_ID}}/drive/root:/</a:t>
+              <a:t>/_</a:t>
             </a:r>
             <a:r>
               <a:rPr lang="en-US" sz="900" b="0" kern="1200" dirty="0" err="1">
@@ -1473,7 +1548,7 @@
                 <a:ea typeface="+mn-ea"/>
                 <a:cs typeface="+mn-cs"/>
               </a:rPr>
-              <a:t>sample.png</a:t>
+              <a:t>api</a:t>
             </a:r>
             <a:r>
               <a:rPr lang="en-US" sz="900" b="0" kern="1200" dirty="0">
@@ -1485,11 +1560,21 @@
                 <a:ea typeface="+mn-ea"/>
                 <a:cs typeface="+mn-cs"/>
               </a:rPr>
-              <a:t>:/content`.</a:t>
-            </a:r>
-          </a:p>
-          <a:p>
-            <a:br>
+              <a:t>/web/lists/</a:t>
+            </a:r>
+            <a:r>
+              <a:rPr lang="en-US" sz="900" b="0" kern="1200" dirty="0" err="1">
+                <a:solidFill>
+                  <a:schemeClr val="tx1"/>
+                </a:solidFill>
+                <a:effectLst/>
+                <a:latin typeface="Segoe UI Light" pitchFamily="34" charset="0"/>
+                <a:ea typeface="+mn-ea"/>
+                <a:cs typeface="+mn-cs"/>
+              </a:rPr>
+              <a:t>GetByTitle</a:t>
+            </a:r>
+            <a:r>
               <a:rPr lang="en-US" sz="900" b="0" kern="1200" dirty="0">
                 <a:solidFill>
                   <a:schemeClr val="tx1"/>
@@ -1499,7 +1584,20 @@
                 <a:ea typeface="+mn-ea"/>
                 <a:cs typeface="+mn-cs"/>
               </a:rPr>
-            </a:br>
+              <a:t>('Documents')/</a:t>
+            </a:r>
+            <a:r>
+              <a:rPr lang="en-US" sz="900" b="0" kern="1200" dirty="0" err="1">
+                <a:solidFill>
+                  <a:schemeClr val="tx1"/>
+                </a:solidFill>
+                <a:effectLst/>
+                <a:latin typeface="Segoe UI Light" pitchFamily="34" charset="0"/>
+                <a:ea typeface="+mn-ea"/>
+                <a:cs typeface="+mn-cs"/>
+              </a:rPr>
+              <a:t>RootFolder</a:t>
+            </a:r>
             <a:r>
               <a:rPr lang="en-US" sz="900" b="0" kern="1200" dirty="0">
                 <a:solidFill>
@@ -1510,10 +1608,10 @@
                 <a:ea typeface="+mn-ea"/>
                 <a:cs typeface="+mn-cs"/>
               </a:rPr>
-              <a:t>Assuming you've read the file into memory as you would using the SharePoint REST API, to upload the file using the SharePoint Framework API for Microsoft Graph, use the </a:t>
-            </a:r>
-            <a:r>
-              <a:rPr lang="en-US" sz="900" b="0" kern="1200">
+              <a:t>/Files/add(overwrite=</a:t>
+            </a:r>
+            <a:r>
+              <a:rPr lang="en-US" sz="900" b="0" kern="1200" dirty="0" err="1">
                 <a:solidFill>
                   <a:schemeClr val="tx1"/>
                 </a:solidFill>
@@ -1522,8 +1620,22 @@
                 <a:ea typeface="+mn-ea"/>
                 <a:cs typeface="+mn-cs"/>
               </a:rPr>
-              <a:t>following code.</a:t>
-            </a:r>
+              <a:t>true,url</a:t>
+            </a:r>
+            <a:r>
+              <a:rPr lang="en-US" sz="900" b="0" kern="1200" dirty="0">
+                <a:solidFill>
+                  <a:schemeClr val="tx1"/>
+                </a:solidFill>
+                <a:effectLst/>
+                <a:latin typeface="Segoe UI Light" pitchFamily="34" charset="0"/>
+                <a:ea typeface="+mn-ea"/>
+                <a:cs typeface="+mn-cs"/>
+              </a:rPr>
+              <a:t>='sample.png')`.</a:t>
+            </a:r>
+          </a:p>
+          <a:p>
             <a:endParaRPr lang="en-US" sz="900" b="0" kern="1200" dirty="0">
               <a:solidFill>
                 <a:schemeClr val="tx1"/>
@@ -1533,6 +1645,20 @@
               <a:ea typeface="+mn-ea"/>
               <a:cs typeface="+mn-cs"/>
             </a:endParaRPr>
+          </a:p>
+          <a:p>
+            <a:r>
+              <a:rPr lang="en-US" sz="900" b="0" kern="1200" dirty="0">
+                <a:solidFill>
+                  <a:schemeClr val="tx1"/>
+                </a:solidFill>
+                <a:effectLst/>
+                <a:latin typeface="Segoe UI Light" pitchFamily="34" charset="0"/>
+                <a:ea typeface="+mn-ea"/>
+                <a:cs typeface="+mn-cs"/>
+              </a:rPr>
+              <a:t>Developers have two options for uploading files to SharePoint libraries. One option, as shown above, uses the SharePoint REST API.</a:t>
+            </a:r>
           </a:p>
         </p:txBody>
       </p:sp>
@@ -1704,10 +1830,10 @@
                 <a:ea typeface="+mn-ea"/>
                 <a:cs typeface="+mn-cs"/>
               </a:rPr>
-              <a:t>Developers can use the SharePoint REST API to upload a file to a SharePoint library using the support included in the SharePoint Framework API. To upload a file using the SharePoint REST API, you need to specify the endpoint where you want to upload the file. For example, let's assume you want to upload a file to </a:t>
-            </a:r>
-            <a:r>
-              <a:rPr lang="en-US" sz="900" b="0" i="1" kern="1200" dirty="0">
+              <a:t>Developers can use the SharePoint REST API to upload a file to a SharePoint library using the support included in the SharePoint Framework API. To upload a file using the SharePoint REST API, you need to specify the endpoint where you want to upload the file. For example, let's assume you want to upload a file to *Documents* library's root folder in the **</a:t>
+            </a:r>
+            <a:r>
+              <a:rPr lang="en-US" sz="900" b="0" kern="1200" dirty="0" err="1">
                 <a:solidFill>
                   <a:schemeClr val="tx1"/>
                 </a:solidFill>
@@ -1716,7 +1842,7 @@
                 <a:ea typeface="+mn-ea"/>
                 <a:cs typeface="+mn-cs"/>
               </a:rPr>
-              <a:t>*Documents*</a:t>
+              <a:t>testSite</a:t>
             </a:r>
             <a:r>
               <a:rPr lang="en-US" sz="900" b="0" kern="1200" dirty="0">
@@ -1728,69 +1854,21 @@
                 <a:ea typeface="+mn-ea"/>
                 <a:cs typeface="+mn-cs"/>
               </a:rPr>
-              <a:t> library's root folder in the </a:t>
-            </a:r>
-            <a:r>
-              <a:rPr lang="en-US" sz="900" b="1" kern="1200" dirty="0">
-                <a:solidFill>
-                  <a:schemeClr val="tx1"/>
-                </a:solidFill>
-                <a:effectLst/>
-                <a:latin typeface="Segoe UI Light" pitchFamily="34" charset="0"/>
-                <a:ea typeface="+mn-ea"/>
-                <a:cs typeface="+mn-cs"/>
-              </a:rPr>
-              <a:t>**</a:t>
-            </a:r>
-            <a:r>
-              <a:rPr lang="en-US" sz="900" b="1" kern="1200" dirty="0" err="1">
-                <a:solidFill>
-                  <a:schemeClr val="tx1"/>
-                </a:solidFill>
-                <a:effectLst/>
-                <a:latin typeface="Segoe UI Light" pitchFamily="34" charset="0"/>
-                <a:ea typeface="+mn-ea"/>
-                <a:cs typeface="+mn-cs"/>
-              </a:rPr>
-              <a:t>testSite</a:t>
-            </a:r>
-            <a:r>
-              <a:rPr lang="en-US" sz="900" b="1" kern="1200" dirty="0">
-                <a:solidFill>
-                  <a:schemeClr val="tx1"/>
-                </a:solidFill>
-                <a:effectLst/>
-                <a:latin typeface="Segoe UI Light" pitchFamily="34" charset="0"/>
-                <a:ea typeface="+mn-ea"/>
-                <a:cs typeface="+mn-cs"/>
-              </a:rPr>
-              <a:t>**</a:t>
-            </a:r>
-            <a:r>
-              <a:rPr lang="en-US" sz="900" b="0" kern="1200" dirty="0">
-                <a:solidFill>
-                  <a:schemeClr val="tx1"/>
-                </a:solidFill>
-                <a:effectLst/>
-                <a:latin typeface="Segoe UI Light" pitchFamily="34" charset="0"/>
-                <a:ea typeface="+mn-ea"/>
-                <a:cs typeface="+mn-cs"/>
-              </a:rPr>
-              <a:t> SharePoint site.</a:t>
-            </a:r>
-          </a:p>
-          <a:p>
-            <a:br>
-              <a:rPr lang="en-US" sz="900" b="0" kern="1200" dirty="0">
-                <a:solidFill>
-                  <a:schemeClr val="tx1"/>
-                </a:solidFill>
-                <a:effectLst/>
-                <a:latin typeface="Segoe UI Light" pitchFamily="34" charset="0"/>
-                <a:ea typeface="+mn-ea"/>
-                <a:cs typeface="+mn-cs"/>
-              </a:rPr>
-            </a:br>
+              <a:t>** SharePoint site.</a:t>
+            </a:r>
+          </a:p>
+          <a:p>
+            <a:endParaRPr lang="en-US" sz="900" b="0" kern="1200" dirty="0">
+              <a:solidFill>
+                <a:schemeClr val="tx1"/>
+              </a:solidFill>
+              <a:effectLst/>
+              <a:latin typeface="Segoe UI Light" pitchFamily="34" charset="0"/>
+              <a:ea typeface="+mn-ea"/>
+              <a:cs typeface="+mn-cs"/>
+            </a:endParaRPr>
+          </a:p>
+          <a:p>
             <a:r>
               <a:rPr lang="en-US" sz="900" b="0" kern="1200" dirty="0">
                 <a:solidFill>
@@ -1947,7 +2025,7 @@
           <a:p>
             <a:fld id="{D18B56EA-E28F-4F92-9F16-7A6F2501B303}" type="datetime8">
               <a:rPr lang="en-US" smtClean="0"/>
-              <a:t>12/11/21 7:19 AM</a:t>
+              <a:t>3/2/2022 2:47 PM</a:t>
             </a:fld>
             <a:endParaRPr lang="en-US" dirty="0"/>
           </a:p>
@@ -2036,15 +2114,16 @@
           <a:p>
             <a:r>
               <a:rPr lang="en-US" dirty="0"/>
-              <a:t>Now that you have a way to detect the current SharePoint environment, you can use this method to conditionally call the SharePoint REST API when running in a real SharePoint environment. The following method uses the `_</a:t>
-            </a:r>
-            <a:r>
-              <a:rPr lang="en-US" dirty="0" err="1"/>
-              <a:t>isSharePoint</a:t>
-            </a:r>
-            <a:r>
-              <a:rPr lang="en-US" dirty="0"/>
-              <a:t>()` previously defined to populate an array with sample data or use the SharePoint REST API to populate the array.</a:t>
+              <a:t>Another way to upload files to SharePoint libraries is to use the Microsoft Graph support included in the SharePoint Framework SDK.</a:t>
+            </a:r>
+          </a:p>
+          <a:p>
+            <a:endParaRPr lang="en-US" dirty="0"/>
+          </a:p>
+          <a:p>
+            <a:r>
+              <a:rPr lang="en-US" dirty="0"/>
+              <a:t>To upload a file using the Microsoft Graph, you need to specify the endpoint where to upload the file. For example, assuming you want to upload a file to the same URL as listed above, the Microsoft Graph endpoint would be: `https://graph.microsoft.com/v1/sites/{{SITE_ID}}/drive/root:/sample.png:/content`.</a:t>
             </a:r>
           </a:p>
         </p:txBody>
@@ -2143,7 +2222,7 @@
           <a:p>
             <a:fld id="{D18B56EA-E28F-4F92-9F16-7A6F2501B303}" type="datetime8">
               <a:rPr lang="en-US" smtClean="0"/>
-              <a:t>12/11/21 7:19 AM</a:t>
+              <a:t>3/2/2022 2:47 PM</a:t>
             </a:fld>
             <a:endParaRPr lang="en-US" dirty="0"/>
           </a:p>
@@ -2324,7 +2403,7 @@
           <a:p>
             <a:fld id="{D18B56EA-E28F-4F92-9F16-7A6F2501B303}" type="datetime8">
               <a:rPr lang="en-US" smtClean="0"/>
-              <a:t>12/11/21 7:19 AM</a:t>
+              <a:t>3/2/2022 2:47 PM</a:t>
             </a:fld>
             <a:endParaRPr lang="en-US" dirty="0"/>
           </a:p>
@@ -2509,7 +2588,7 @@
           <a:p>
             <a:fld id="{D18B56EA-E28F-4F92-9F16-7A6F2501B303}" type="datetime8">
               <a:rPr lang="en-US" smtClean="0"/>
-              <a:t>12/11/21 7:21 AM</a:t>
+              <a:t>3/2/2022 2:47 PM</a:t>
             </a:fld>
             <a:endParaRPr lang="en-US" dirty="0"/>
           </a:p>
@@ -2690,7 +2769,7 @@
           <a:p>
             <a:fld id="{D18B56EA-E28F-4F92-9F16-7A6F2501B303}" type="datetime8">
               <a:rPr lang="en-US" smtClean="0"/>
-              <a:t>12/11/21 7:19 AM</a:t>
+              <a:t>3/2/2022 2:47 PM</a:t>
             </a:fld>
             <a:endParaRPr lang="en-US" dirty="0"/>
           </a:p>
@@ -2871,7 +2950,7 @@
           <a:p>
             <a:fld id="{D18B56EA-E28F-4F92-9F16-7A6F2501B303}" type="datetime8">
               <a:rPr lang="en-US" smtClean="0"/>
-              <a:t>12/11/21 7:19 AM</a:t>
+              <a:t>3/2/2022 2:47 PM</a:t>
             </a:fld>
             <a:endParaRPr lang="en-US" dirty="0"/>
           </a:p>
@@ -15900,7 +15979,7 @@
             </a:pPr>
             <a:r>
               <a:rPr lang="en-US" sz="2000" dirty="0"/>
-              <a:t>Differences from document libraries vs SharePoint lists</a:t>
+              <a:t>Differences between SharePoint document libraries and SharePoint lists</a:t>
             </a:r>
           </a:p>
           <a:p>
@@ -16226,7 +16305,7 @@
           <a:p>
             <a:r>
               <a:rPr lang="en-US" dirty="0"/>
-              <a:t>Differences from document libraries vs SharePoint lists</a:t>
+              <a:t>Differences between SharePoint document libraries and SharePoint lists</a:t>
             </a:r>
             <a:endParaRPr lang="fi-FI" dirty="0"/>
           </a:p>
@@ -17589,7 +17668,7 @@
               <a:defRPr/>
             </a:pPr>
             <a:r>
-              <a:rPr lang="en-US" sz="1800">
+              <a:rPr lang="en-US" sz="1800" dirty="0">
                 <a:latin typeface="+mj-lt"/>
                 <a:hlinkClick r:id="rId3"/>
               </a:rPr>

--- a/03 upload file.pptx
+++ b/03 upload file.pptx
@@ -262,7 +262,7 @@
               <a:rPr lang="en-US" smtClean="0">
                 <a:latin typeface="Segoe UI" pitchFamily="34" charset="0"/>
               </a:rPr>
-              <a:t>3/2/2022 2:48 PM</a:t>
+              <a:t>11/10/2022 7:59 AM</a:t>
             </a:fld>
             <a:endParaRPr lang="en-US" dirty="0">
               <a:latin typeface="Segoe UI" pitchFamily="34" charset="0"/>
@@ -559,7 +559,7 @@
           <a:p>
             <a:fld id="{D18B56EA-E28F-4F92-9F16-7A6F2501B303}" type="datetime8">
               <a:rPr lang="en-US" smtClean="0"/>
-              <a:t>3/2/2022 2:47 PM</a:t>
+              <a:t>11/10/2022 7:59 AM</a:t>
             </a:fld>
             <a:endParaRPr lang="en-US" dirty="0"/>
           </a:p>
@@ -942,7 +942,7 @@
           <a:p>
             <a:fld id="{D18B56EA-E28F-4F92-9F16-7A6F2501B303}" type="datetime8">
               <a:rPr lang="en-US" smtClean="0"/>
-              <a:t>3/2/2022 2:47 PM</a:t>
+              <a:t>11/10/2022 7:59 AM</a:t>
             </a:fld>
             <a:endParaRPr lang="en-US" dirty="0"/>
           </a:p>
@@ -1123,7 +1123,7 @@
           <a:p>
             <a:fld id="{D18B56EA-E28F-4F92-9F16-7A6F2501B303}" type="datetime8">
               <a:rPr lang="en-US" smtClean="0"/>
-              <a:t>3/2/2022 2:47 PM</a:t>
+              <a:t>11/10/2022 7:59 AM</a:t>
             </a:fld>
             <a:endParaRPr lang="en-US" dirty="0"/>
           </a:p>
@@ -1315,7 +1315,7 @@
           <a:p>
             <a:fld id="{D18B56EA-E28F-4F92-9F16-7A6F2501B303}" type="datetime8">
               <a:rPr lang="en-US" smtClean="0"/>
-              <a:t>3/2/2022 2:47 PM</a:t>
+              <a:t>11/10/2022 7:59 AM</a:t>
             </a:fld>
             <a:endParaRPr lang="en-US" dirty="0"/>
           </a:p>
@@ -2025,7 +2025,7 @@
           <a:p>
             <a:fld id="{D18B56EA-E28F-4F92-9F16-7A6F2501B303}" type="datetime8">
               <a:rPr lang="en-US" smtClean="0"/>
-              <a:t>3/2/2022 2:47 PM</a:t>
+              <a:t>11/10/2022 7:59 AM</a:t>
             </a:fld>
             <a:endParaRPr lang="en-US" dirty="0"/>
           </a:p>
@@ -2222,7 +2222,7 @@
           <a:p>
             <a:fld id="{D18B56EA-E28F-4F92-9F16-7A6F2501B303}" type="datetime8">
               <a:rPr lang="en-US" smtClean="0"/>
-              <a:t>3/2/2022 2:47 PM</a:t>
+              <a:t>11/10/2022 7:59 AM</a:t>
             </a:fld>
             <a:endParaRPr lang="en-US" dirty="0"/>
           </a:p>
@@ -2403,7 +2403,7 @@
           <a:p>
             <a:fld id="{D18B56EA-E28F-4F92-9F16-7A6F2501B303}" type="datetime8">
               <a:rPr lang="en-US" smtClean="0"/>
-              <a:t>3/2/2022 2:47 PM</a:t>
+              <a:t>11/10/2022 7:59 AM</a:t>
             </a:fld>
             <a:endParaRPr lang="en-US" dirty="0"/>
           </a:p>
@@ -2588,7 +2588,7 @@
           <a:p>
             <a:fld id="{D18B56EA-E28F-4F92-9F16-7A6F2501B303}" type="datetime8">
               <a:rPr lang="en-US" smtClean="0"/>
-              <a:t>3/2/2022 2:47 PM</a:t>
+              <a:t>11/10/2022 7:59 AM</a:t>
             </a:fld>
             <a:endParaRPr lang="en-US" dirty="0"/>
           </a:p>
@@ -2769,7 +2769,7 @@
           <a:p>
             <a:fld id="{D18B56EA-E28F-4F92-9F16-7A6F2501B303}" type="datetime8">
               <a:rPr lang="en-US" smtClean="0"/>
-              <a:t>3/2/2022 2:47 PM</a:t>
+              <a:t>11/10/2022 7:59 AM</a:t>
             </a:fld>
             <a:endParaRPr lang="en-US" dirty="0"/>
           </a:p>
@@ -2950,7 +2950,7 @@
           <a:p>
             <a:fld id="{D18B56EA-E28F-4F92-9F16-7A6F2501B303}" type="datetime8">
               <a:rPr lang="en-US" smtClean="0"/>
-              <a:t>3/2/2022 2:47 PM</a:t>
+              <a:t>11/10/2022 7:59 AM</a:t>
             </a:fld>
             <a:endParaRPr lang="en-US" dirty="0"/>
           </a:p>
@@ -17672,7 +17672,7 @@
                 <a:latin typeface="+mj-lt"/>
                 <a:hlinkClick r:id="rId3"/>
               </a:rPr>
-              <a:t>https://docs.microsoft.com/sharepoint/dev/spfx/sharepoint-framework-overview</a:t>
+              <a:t>https://learn.microsoft.com/sharepoint/dev/spfx/sharepoint-framework-overview</a:t>
             </a:r>
             <a:endParaRPr lang="en-US" sz="1800" dirty="0">
               <a:latin typeface="+mj-lt"/>
@@ -17727,7 +17727,7 @@
                 <a:latin typeface="+mj-lt"/>
                 <a:hlinkClick r:id="rId4"/>
               </a:rPr>
-              <a:t>https://docs.microsoft.com/sharepoint/dev/sp-add-ins/get-to-know-the-sharepoint-rest-service</a:t>
+              <a:t>https://learn.microsoft.com/sharepoint/dev/sp-add-ins/get-to-know-the-sharepoint-rest-service</a:t>
             </a:r>
             <a:r>
               <a:rPr lang="en-US" sz="1800" dirty="0">
@@ -17792,7 +17792,7 @@
                 <a:latin typeface="+mj-lt"/>
                 <a:hlinkClick r:id="rId5"/>
               </a:rPr>
-              <a:t>https://docs.microsoft.com/sharepoint/dev/spfx/connect-to-sharepoint</a:t>
+              <a:t>https://learn.microsoft.com/sharepoint/dev/spfx/connect-to-sharepoint</a:t>
             </a:r>
             <a:r>
               <a:rPr lang="en-US" sz="1800" dirty="0">
